--- a/LAB7.pptx
+++ b/LAB7.pptx
@@ -5250,6 +5250,43 @@
           </a:prstGeom>
         </p:spPr>
       </p:pic>
+      <p:cxnSp>
+        <p:nvCxnSpPr>
+          <p:cNvPr id="4" name="Straight Arrow Connector 3"/>
+          <p:cNvCxnSpPr/>
+          <p:nvPr/>
+        </p:nvCxnSpPr>
+        <p:spPr>
+          <a:xfrm flipH="1">
+            <a:off x="3801110" y="473710"/>
+            <a:ext cx="1668145" cy="220345"/>
+          </a:xfrm>
+          <a:prstGeom prst="straightConnector1">
+            <a:avLst/>
+          </a:prstGeom>
+          <a:ln w="31750" cap="rnd">
+            <a:solidFill>
+              <a:schemeClr val="accent1"/>
+            </a:solidFill>
+            <a:round/>
+            <a:tailEnd type="arrow" w="med" len="med"/>
+          </a:ln>
+        </p:spPr>
+        <p:style>
+          <a:lnRef idx="0">
+            <a:srgbClr val="FFFFFF"/>
+          </a:lnRef>
+          <a:fillRef idx="0">
+            <a:srgbClr val="FFFFFF"/>
+          </a:fillRef>
+          <a:effectRef idx="0">
+            <a:srgbClr val="FFFFFF"/>
+          </a:effectRef>
+          <a:fontRef idx="minor">
+            <a:schemeClr val="tx1"/>
+          </a:fontRef>
+        </p:style>
+      </p:cxnSp>
     </p:spTree>
   </p:cSld>
   <p:clrMapOvr>
@@ -6212,6 +6249,154 @@
           </a:prstGeom>
         </p:spPr>
       </p:pic>
+      <p:cxnSp>
+        <p:nvCxnSpPr>
+          <p:cNvPr id="4" name="Straight Arrow Connector 3"/>
+          <p:cNvCxnSpPr/>
+          <p:nvPr/>
+        </p:nvCxnSpPr>
+        <p:spPr>
+          <a:xfrm flipV="1">
+            <a:off x="4444365" y="829310"/>
+            <a:ext cx="626745" cy="339090"/>
+          </a:xfrm>
+          <a:prstGeom prst="straightConnector1">
+            <a:avLst/>
+          </a:prstGeom>
+          <a:ln w="31750" cap="rnd">
+            <a:solidFill>
+              <a:schemeClr val="accent1"/>
+            </a:solidFill>
+            <a:round/>
+            <a:tailEnd type="arrow" w="med" len="med"/>
+          </a:ln>
+        </p:spPr>
+        <p:style>
+          <a:lnRef idx="0">
+            <a:srgbClr val="FFFFFF"/>
+          </a:lnRef>
+          <a:fillRef idx="0">
+            <a:srgbClr val="FFFFFF"/>
+          </a:fillRef>
+          <a:effectRef idx="0">
+            <a:srgbClr val="FFFFFF"/>
+          </a:effectRef>
+          <a:fontRef idx="minor">
+            <a:schemeClr val="tx1"/>
+          </a:fontRef>
+        </p:style>
+      </p:cxnSp>
+      <p:cxnSp>
+        <p:nvCxnSpPr>
+          <p:cNvPr id="7" name="Straight Arrow Connector 6"/>
+          <p:cNvCxnSpPr/>
+          <p:nvPr/>
+        </p:nvCxnSpPr>
+        <p:spPr>
+          <a:xfrm>
+            <a:off x="4368165" y="6028055"/>
+            <a:ext cx="634365" cy="321945"/>
+          </a:xfrm>
+          <a:prstGeom prst="straightConnector1">
+            <a:avLst/>
+          </a:prstGeom>
+          <a:ln w="31750" cap="rnd">
+            <a:solidFill>
+              <a:schemeClr val="accent1"/>
+            </a:solidFill>
+            <a:round/>
+            <a:tailEnd type="arrow" w="med" len="med"/>
+          </a:ln>
+        </p:spPr>
+        <p:style>
+          <a:lnRef idx="0">
+            <a:srgbClr val="FFFFFF"/>
+          </a:lnRef>
+          <a:fillRef idx="0">
+            <a:srgbClr val="FFFFFF"/>
+          </a:fillRef>
+          <a:effectRef idx="0">
+            <a:srgbClr val="FFFFFF"/>
+          </a:effectRef>
+          <a:fontRef idx="minor">
+            <a:schemeClr val="tx1"/>
+          </a:fontRef>
+        </p:style>
+      </p:cxnSp>
+      <p:cxnSp>
+        <p:nvCxnSpPr>
+          <p:cNvPr id="8" name="Straight Arrow Connector 7"/>
+          <p:cNvCxnSpPr/>
+          <p:nvPr/>
+        </p:nvCxnSpPr>
+        <p:spPr>
+          <a:xfrm>
+            <a:off x="7679690" y="5833110"/>
+            <a:ext cx="634365" cy="321945"/>
+          </a:xfrm>
+          <a:prstGeom prst="straightConnector1">
+            <a:avLst/>
+          </a:prstGeom>
+          <a:ln w="31750" cap="rnd">
+            <a:solidFill>
+              <a:schemeClr val="accent1"/>
+            </a:solidFill>
+            <a:round/>
+            <a:tailEnd type="arrow" w="med" len="med"/>
+          </a:ln>
+        </p:spPr>
+        <p:style>
+          <a:lnRef idx="0">
+            <a:srgbClr val="FFFFFF"/>
+          </a:lnRef>
+          <a:fillRef idx="0">
+            <a:srgbClr val="FFFFFF"/>
+          </a:fillRef>
+          <a:effectRef idx="0">
+            <a:srgbClr val="FFFFFF"/>
+          </a:effectRef>
+          <a:fontRef idx="minor">
+            <a:schemeClr val="tx1"/>
+          </a:fontRef>
+        </p:style>
+      </p:cxnSp>
+      <p:cxnSp>
+        <p:nvCxnSpPr>
+          <p:cNvPr id="14" name="Straight Arrow Connector 13"/>
+          <p:cNvCxnSpPr/>
+          <p:nvPr/>
+        </p:nvCxnSpPr>
+        <p:spPr>
+          <a:xfrm flipV="1">
+            <a:off x="7763510" y="685165"/>
+            <a:ext cx="626745" cy="339090"/>
+          </a:xfrm>
+          <a:prstGeom prst="straightConnector1">
+            <a:avLst/>
+          </a:prstGeom>
+          <a:ln w="31750" cap="rnd">
+            <a:solidFill>
+              <a:schemeClr val="accent1"/>
+            </a:solidFill>
+            <a:round/>
+            <a:tailEnd type="arrow" w="med" len="med"/>
+          </a:ln>
+        </p:spPr>
+        <p:style>
+          <a:lnRef idx="0">
+            <a:srgbClr val="FFFFFF"/>
+          </a:lnRef>
+          <a:fillRef idx="0">
+            <a:srgbClr val="FFFFFF"/>
+          </a:fillRef>
+          <a:effectRef idx="0">
+            <a:srgbClr val="FFFFFF"/>
+          </a:effectRef>
+          <a:fontRef idx="minor">
+            <a:schemeClr val="tx1"/>
+          </a:fontRef>
+        </p:style>
+      </p:cxnSp>
     </p:spTree>
   </p:cSld>
   <p:clrMapOvr>
@@ -9055,6 +9240,132 @@
           </a:prstGeom>
         </p:spPr>
       </p:pic>
+      <p:sp>
+        <p:nvSpPr>
+          <p:cNvPr id="3" name="Rectangles 2"/>
+          <p:cNvSpPr/>
+          <p:nvPr/>
+        </p:nvSpPr>
+        <p:spPr>
+          <a:xfrm>
+            <a:off x="2666365" y="1760855"/>
+            <a:ext cx="6426200" cy="2032635"/>
+          </a:xfrm>
+          <a:prstGeom prst="rect">
+            <a:avLst/>
+          </a:prstGeom>
+          <a:ln>
+            <a:solidFill>
+              <a:srgbClr val="ED1B2F"/>
+            </a:solidFill>
+          </a:ln>
+        </p:spPr>
+        <p:style>
+          <a:lnRef idx="3">
+            <a:schemeClr val="accent1"/>
+          </a:lnRef>
+          <a:fillRef idx="0">
+            <a:srgbClr val="FFFFFF"/>
+          </a:fillRef>
+          <a:effectRef idx="0">
+            <a:srgbClr val="FFFFFF"/>
+          </a:effectRef>
+          <a:fontRef idx="minor">
+            <a:schemeClr val="tx1"/>
+          </a:fontRef>
+        </p:style>
+        <p:txBody>
+          <a:bodyPr rtlCol="0" anchor="ctr"/>
+          <a:p>
+            <a:pPr algn="ctr"/>
+            <a:endParaRPr lang="en-US"/>
+          </a:p>
+        </p:txBody>
+      </p:sp>
+      <p:sp>
+        <p:nvSpPr>
+          <p:cNvPr id="6" name="Rectangles 5"/>
+          <p:cNvSpPr/>
+          <p:nvPr/>
+        </p:nvSpPr>
+        <p:spPr>
+          <a:xfrm>
+            <a:off x="2637790" y="3869690"/>
+            <a:ext cx="6426200" cy="1946910"/>
+          </a:xfrm>
+          <a:prstGeom prst="rect">
+            <a:avLst/>
+          </a:prstGeom>
+          <a:ln>
+            <a:solidFill>
+              <a:srgbClr val="ED1B2F"/>
+            </a:solidFill>
+          </a:ln>
+        </p:spPr>
+        <p:style>
+          <a:lnRef idx="3">
+            <a:schemeClr val="accent1"/>
+          </a:lnRef>
+          <a:fillRef idx="0">
+            <a:srgbClr val="FFFFFF"/>
+          </a:fillRef>
+          <a:effectRef idx="0">
+            <a:srgbClr val="FFFFFF"/>
+          </a:effectRef>
+          <a:fontRef idx="minor">
+            <a:schemeClr val="tx1"/>
+          </a:fontRef>
+        </p:style>
+        <p:txBody>
+          <a:bodyPr rtlCol="0" anchor="ctr"/>
+          <a:p>
+            <a:pPr algn="ctr"/>
+            <a:endParaRPr lang="en-US"/>
+          </a:p>
+        </p:txBody>
+      </p:sp>
+      <p:sp>
+        <p:nvSpPr>
+          <p:cNvPr id="7" name="Rectangles 6"/>
+          <p:cNvSpPr/>
+          <p:nvPr/>
+        </p:nvSpPr>
+        <p:spPr>
+          <a:xfrm>
+            <a:off x="2793365" y="955040"/>
+            <a:ext cx="7637780" cy="774065"/>
+          </a:xfrm>
+          <a:prstGeom prst="rect">
+            <a:avLst/>
+          </a:prstGeom>
+          <a:ln>
+            <a:solidFill>
+              <a:srgbClr val="ED1B2F"/>
+            </a:solidFill>
+          </a:ln>
+        </p:spPr>
+        <p:style>
+          <a:lnRef idx="3">
+            <a:schemeClr val="accent1"/>
+          </a:lnRef>
+          <a:fillRef idx="0">
+            <a:srgbClr val="FFFFFF"/>
+          </a:fillRef>
+          <a:effectRef idx="0">
+            <a:srgbClr val="FFFFFF"/>
+          </a:effectRef>
+          <a:fontRef idx="minor">
+            <a:schemeClr val="tx1"/>
+          </a:fontRef>
+        </p:style>
+        <p:txBody>
+          <a:bodyPr rtlCol="0" anchor="ctr"/>
+          <a:p>
+            <a:pPr algn="ctr"/>
+            <a:endParaRPr lang="en-US"/>
+          </a:p>
+        </p:txBody>
+      </p:sp>
     </p:spTree>
   </p:cSld>
   <p:clrMapOvr>
@@ -9515,6 +9826,43 @@
           </a:prstGeom>
         </p:spPr>
       </p:pic>
+      <p:cxnSp>
+        <p:nvCxnSpPr>
+          <p:cNvPr id="3" name="Straight Arrow Connector 2"/>
+          <p:cNvCxnSpPr/>
+          <p:nvPr/>
+        </p:nvCxnSpPr>
+        <p:spPr>
+          <a:xfrm>
+            <a:off x="2056765" y="863600"/>
+            <a:ext cx="1566545" cy="694055"/>
+          </a:xfrm>
+          <a:prstGeom prst="straightConnector1">
+            <a:avLst/>
+          </a:prstGeom>
+          <a:ln w="31750" cap="rnd">
+            <a:solidFill>
+              <a:schemeClr val="accent1"/>
+            </a:solidFill>
+            <a:round/>
+            <a:tailEnd type="arrow" w="med" len="med"/>
+          </a:ln>
+        </p:spPr>
+        <p:style>
+          <a:lnRef idx="0">
+            <a:srgbClr val="FFFFFF"/>
+          </a:lnRef>
+          <a:fillRef idx="0">
+            <a:srgbClr val="FFFFFF"/>
+          </a:fillRef>
+          <a:effectRef idx="0">
+            <a:srgbClr val="FFFFFF"/>
+          </a:effectRef>
+          <a:fontRef idx="minor">
+            <a:schemeClr val="tx1"/>
+          </a:fontRef>
+        </p:style>
+      </p:cxnSp>
     </p:spTree>
   </p:cSld>
   <p:clrMapOvr>
@@ -9975,6 +10323,48 @@
           </a:prstGeom>
         </p:spPr>
       </p:pic>
+      <p:sp>
+        <p:nvSpPr>
+          <p:cNvPr id="4" name="Rectangles 3"/>
+          <p:cNvSpPr/>
+          <p:nvPr/>
+        </p:nvSpPr>
+        <p:spPr>
+          <a:xfrm>
+            <a:off x="1684655" y="3013710"/>
+            <a:ext cx="4994910" cy="1634490"/>
+          </a:xfrm>
+          <a:prstGeom prst="rect">
+            <a:avLst/>
+          </a:prstGeom>
+          <a:ln>
+            <a:solidFill>
+              <a:srgbClr val="ED1B2F"/>
+            </a:solidFill>
+          </a:ln>
+        </p:spPr>
+        <p:style>
+          <a:lnRef idx="3">
+            <a:schemeClr val="accent1"/>
+          </a:lnRef>
+          <a:fillRef idx="0">
+            <a:srgbClr val="FFFFFF"/>
+          </a:fillRef>
+          <a:effectRef idx="0">
+            <a:srgbClr val="FFFFFF"/>
+          </a:effectRef>
+          <a:fontRef idx="minor">
+            <a:schemeClr val="tx1"/>
+          </a:fontRef>
+        </p:style>
+        <p:txBody>
+          <a:bodyPr rtlCol="0" anchor="ctr"/>
+          <a:p>
+            <a:pPr algn="ctr"/>
+            <a:endParaRPr lang="en-US"/>
+          </a:p>
+        </p:txBody>
+      </p:sp>
     </p:spTree>
   </p:cSld>
   <p:clrMapOvr>
